--- a/presentaciones/PPTX/Sprint 6.pptx
+++ b/presentaciones/PPTX/Sprint 6.pptx
@@ -8292,7 +8292,7 @@
                 <a:cs typeface="Proxima Nova"/>
                 <a:sym typeface="Proxima Nova"/>
               </a:rPr>
-              <a:t>Sprint 4 - Evolución de Riesgos</a:t>
+              <a:t>Sprint 6 - Evolución de Riesgos</a:t>
             </a:r>
             <a:endParaRPr b="1" sz="3020">
               <a:solidFill>
@@ -8689,7 +8689,7 @@
                 <a:cs typeface="Proxima Nova"/>
                 <a:sym typeface="Proxima Nova"/>
               </a:rPr>
-              <a:t>Sprint 4 - Evolución de Riesgos</a:t>
+              <a:t>Sprint 6 - Evolución de Riesgos</a:t>
             </a:r>
             <a:endParaRPr b="1" sz="3020">
               <a:solidFill>
@@ -8950,7 +8950,7 @@
             </a:pPr>
             <a:r>
               <a:rPr b="1" lang="es" sz="3020"/>
-              <a:t>Sprint 3 - Retro</a:t>
+              <a:t>Sprint 6 - Retro</a:t>
             </a:r>
             <a:endParaRPr b="1" sz="3020"/>
           </a:p>
